--- a/soft-skill/Module 3 Building Corporate Culture/Corporate culture.pptx
+++ b/soft-skill/Module 3 Building Corporate Culture/Corporate culture.pptx
@@ -6310,17 +6310,17 @@
             </a:r>
             <a:r>
               <a:rPr lang="en-US" b="1" dirty="0"/>
-              <a:t>better place to </a:t>
-            </a:r>
-            <a:r>
-              <a:rPr lang="en-US" b="1" dirty="0" smtClean="0"/>
-              <a:t>work</a:t>
-            </a:r>
-          </a:p>
-          <a:p>
+              <a:t>better place to work</a:t>
+            </a:r>
+          </a:p>
+          <a:p>
+            <a:r>
+              <a:rPr lang="en-US" dirty="0" smtClean="0"/>
+              <a:t>Affects </a:t>
+            </a:r>
             <a:r>
               <a:rPr lang="en-US" dirty="0"/>
-              <a:t>Affects how employees feel and </a:t>
+              <a:t>how employees feel and </a:t>
             </a:r>
             <a:r>
               <a:rPr lang="en-US" dirty="0" smtClean="0"/>
